--- a/PPT/1.7 and 1.8 documentation  1 (1).pptx
+++ b/PPT/1.7 and 1.8 documentation  1 (1).pptx
@@ -127,12 +127,33 @@
 </p:presentation>
 </file>
 
-<file path=ppt/revisionInfo.xml><?xml version="1.0" encoding="utf-8"?>
-<p1510:revInfo xmlns:a="http://schemas.openxmlformats.org/drawingml/2006/main" xmlns:r="http://schemas.openxmlformats.org/officeDocument/2006/relationships" xmlns:p1510="http://schemas.microsoft.com/office/powerpoint/2015/10/main">
-  <p1510:revLst>
-    <p1510:client id="{62E4E599-55AB-4BA6-BF69-3CFAB1E03905}" v="8" dt="2023-05-18T06:43:53.657"/>
-  </p1510:revLst>
-</p1510:revInfo>
+<file path=ppt/changesInfos/changesInfo1.xml><?xml version="1.0" encoding="utf-8"?>
+<pc:chgInfo xmlns:a="http://schemas.openxmlformats.org/drawingml/2006/main" xmlns:r="http://schemas.openxmlformats.org/officeDocument/2006/relationships" xmlns:ac="http://schemas.microsoft.com/office/drawing/2013/main/command" xmlns:pc="http://schemas.microsoft.com/office/powerpoint/2013/main/command">
+  <pc:docChgLst>
+    <pc:chgData name="Thomas Xu" userId="72a40c57-58f8-4deb-8f71-c52d4941dc1d" providerId="ADAL" clId="{382A3C6E-F3B3-4283-A8A4-1F7285F3E9A4}"/>
+    <pc:docChg chg="modSld">
+      <pc:chgData name="Thomas Xu" userId="72a40c57-58f8-4deb-8f71-c52d4941dc1d" providerId="ADAL" clId="{382A3C6E-F3B3-4283-A8A4-1F7285F3E9A4}" dt="2023-05-21T06:09:30.300" v="0" actId="1076"/>
+      <pc:docMkLst>
+        <pc:docMk/>
+      </pc:docMkLst>
+      <pc:sldChg chg="modSp mod">
+        <pc:chgData name="Thomas Xu" userId="72a40c57-58f8-4deb-8f71-c52d4941dc1d" providerId="ADAL" clId="{382A3C6E-F3B3-4283-A8A4-1F7285F3E9A4}" dt="2023-05-21T06:09:30.300" v="0" actId="1076"/>
+        <pc:sldMkLst>
+          <pc:docMk/>
+          <pc:sldMk cId="270828811" sldId="273"/>
+        </pc:sldMkLst>
+        <pc:spChg chg="mod">
+          <ac:chgData name="Thomas Xu" userId="72a40c57-58f8-4deb-8f71-c52d4941dc1d" providerId="ADAL" clId="{382A3C6E-F3B3-4283-A8A4-1F7285F3E9A4}" dt="2023-05-21T06:09:30.300" v="0" actId="1076"/>
+          <ac:spMkLst>
+            <pc:docMk/>
+            <pc:sldMk cId="270828811" sldId="273"/>
+            <ac:spMk id="4" creationId="{8CD07A82-A944-4A9B-9A52-515DAC30878A}"/>
+          </ac:spMkLst>
+        </pc:spChg>
+      </pc:sldChg>
+    </pc:docChg>
+  </pc:docChgLst>
+</pc:chgInfo>
 </file>
 
 <file path=ppt/notesMasters/notesMaster1.xml><?xml version="1.0" encoding="utf-8"?>
@@ -7991,7 +8012,7 @@
         </p:nvSpPr>
         <p:spPr>
           <a:xfrm>
-            <a:off x="660400" y="1030288"/>
+            <a:off x="651164" y="1030288"/>
             <a:ext cx="10693400" cy="923330"/>
           </a:xfrm>
           <a:prstGeom prst="rect">
@@ -8731,18 +8752,18 @@
 </file>
 
 <file path=customXml/item1.xml><?xml version="1.0" encoding="utf-8"?>
+<p:properties xmlns:p="http://schemas.microsoft.com/office/2006/metadata/properties" xmlns:xsi="http://www.w3.org/2001/XMLSchema-instance" xmlns:pc="http://schemas.microsoft.com/office/infopath/2007/PartnerControls">
+  <documentManagement/>
+</p:properties>
+</file>
+
+<file path=customXml/item2.xml><?xml version="1.0" encoding="utf-8"?>
 <?mso-contentType ?>
 <FormTemplates xmlns="http://schemas.microsoft.com/sharepoint/v3/contenttype/forms">
   <Display>DocumentLibraryForm</Display>
   <Edit>DocumentLibraryForm</Edit>
   <New>DocumentLibraryForm</New>
 </FormTemplates>
-</file>
-
-<file path=customXml/item2.xml><?xml version="1.0" encoding="utf-8"?>
-<p:properties xmlns:p="http://schemas.microsoft.com/office/2006/metadata/properties" xmlns:xsi="http://www.w3.org/2001/XMLSchema-instance" xmlns:pc="http://schemas.microsoft.com/office/infopath/2007/PartnerControls">
-  <documentManagement/>
-</p:properties>
 </file>
 
 <file path=customXml/item3.xml><?xml version="1.0" encoding="utf-8"?>
@@ -8969,14 +8990,6 @@
 </file>
 
 <file path=customXml/itemProps1.xml><?xml version="1.0" encoding="utf-8"?>
-<ds:datastoreItem xmlns:ds="http://schemas.openxmlformats.org/officeDocument/2006/customXml" ds:itemID="{996D3308-852E-4C8B-B252-FF4AAFB3F53B}">
-  <ds:schemaRefs>
-    <ds:schemaRef ds:uri="http://schemas.microsoft.com/sharepoint/v3/contenttype/forms"/>
-  </ds:schemaRefs>
-</ds:datastoreItem>
-</file>
-
-<file path=customXml/itemProps2.xml><?xml version="1.0" encoding="utf-8"?>
 <ds:datastoreItem xmlns:ds="http://schemas.openxmlformats.org/officeDocument/2006/customXml" ds:itemID="{D3E43842-9024-4A34-8C28-3EA5A3BEB66C}">
   <ds:schemaRefs>
     <ds:schemaRef ds:uri="http://schemas.microsoft.com/office/2006/documentManagement/types"/>
@@ -8989,6 +9002,14 @@
     <ds:schemaRef ds:uri="http://www.w3.org/XML/1998/namespace"/>
     <ds:schemaRef ds:uri="http://purl.org/dc/elements/1.1/"/>
     <ds:schemaRef ds:uri="e64b035b-d3bf-4281-aae9-e2992bd2c409"/>
+  </ds:schemaRefs>
+</ds:datastoreItem>
+</file>
+
+<file path=customXml/itemProps2.xml><?xml version="1.0" encoding="utf-8"?>
+<ds:datastoreItem xmlns:ds="http://schemas.openxmlformats.org/officeDocument/2006/customXml" ds:itemID="{996D3308-852E-4C8B-B252-FF4AAFB3F53B}">
+  <ds:schemaRefs>
+    <ds:schemaRef ds:uri="http://schemas.microsoft.com/sharepoint/v3/contenttype/forms"/>
   </ds:schemaRefs>
 </ds:datastoreItem>
 </file>

--- a/PPT/1.7 and 1.8 documentation  1 (1).pptx
+++ b/PPT/1.7 and 1.8 documentation  1 (1).pptx
@@ -127,12 +127,20 @@
 </p:presentation>
 </file>
 
+<file path=ppt/revisionInfo.xml><?xml version="1.0" encoding="utf-8"?>
+<p1510:revInfo xmlns:a="http://schemas.openxmlformats.org/drawingml/2006/main" xmlns:r="http://schemas.openxmlformats.org/officeDocument/2006/relationships" xmlns:p1510="http://schemas.microsoft.com/office/powerpoint/2015/10/main">
+  <p1510:revLst>
+    <p1510:client id="{382A3C6E-F3B3-4283-A8A4-1F7285F3E9A4}" v="1" dt="2023-05-21T07:35:30.653"/>
+  </p1510:revLst>
+</p1510:revInfo>
+</file>
+
 <file path=ppt/changesInfos/changesInfo1.xml><?xml version="1.0" encoding="utf-8"?>
 <pc:chgInfo xmlns:a="http://schemas.openxmlformats.org/drawingml/2006/main" xmlns:r="http://schemas.openxmlformats.org/officeDocument/2006/relationships" xmlns:ac="http://schemas.microsoft.com/office/drawing/2013/main/command" xmlns:pc="http://schemas.microsoft.com/office/powerpoint/2013/main/command">
   <pc:docChgLst>
     <pc:chgData name="Thomas Xu" userId="72a40c57-58f8-4deb-8f71-c52d4941dc1d" providerId="ADAL" clId="{382A3C6E-F3B3-4283-A8A4-1F7285F3E9A4}"/>
-    <pc:docChg chg="modSld">
-      <pc:chgData name="Thomas Xu" userId="72a40c57-58f8-4deb-8f71-c52d4941dc1d" providerId="ADAL" clId="{382A3C6E-F3B3-4283-A8A4-1F7285F3E9A4}" dt="2023-05-21T06:09:30.300" v="0" actId="1076"/>
+    <pc:docChg chg="custSel modSld">
+      <pc:chgData name="Thomas Xu" userId="72a40c57-58f8-4deb-8f71-c52d4941dc1d" providerId="ADAL" clId="{382A3C6E-F3B3-4283-A8A4-1F7285F3E9A4}" dt="2023-05-21T07:35:46.366" v="80" actId="20577"/>
       <pc:docMkLst>
         <pc:docMk/>
       </pc:docMkLst>
@@ -150,6 +158,53 @@
             <ac:spMk id="4" creationId="{8CD07A82-A944-4A9B-9A52-515DAC30878A}"/>
           </ac:spMkLst>
         </pc:spChg>
+      </pc:sldChg>
+      <pc:sldChg chg="addSp delSp modSp mod">
+        <pc:chgData name="Thomas Xu" userId="72a40c57-58f8-4deb-8f71-c52d4941dc1d" providerId="ADAL" clId="{382A3C6E-F3B3-4283-A8A4-1F7285F3E9A4}" dt="2023-05-21T07:35:46.366" v="80" actId="20577"/>
+        <pc:sldMkLst>
+          <pc:docMk/>
+          <pc:sldMk cId="89592267" sldId="274"/>
+        </pc:sldMkLst>
+        <pc:spChg chg="mod">
+          <ac:chgData name="Thomas Xu" userId="72a40c57-58f8-4deb-8f71-c52d4941dc1d" providerId="ADAL" clId="{382A3C6E-F3B3-4283-A8A4-1F7285F3E9A4}" dt="2023-05-21T07:29:31.239" v="16" actId="20577"/>
+          <ac:spMkLst>
+            <pc:docMk/>
+            <pc:sldMk cId="89592267" sldId="274"/>
+            <ac:spMk id="2" creationId="{1CC5D32F-7C18-4D00-8D54-2FB046F0A206}"/>
+          </ac:spMkLst>
+        </pc:spChg>
+        <pc:spChg chg="add mod">
+          <ac:chgData name="Thomas Xu" userId="72a40c57-58f8-4deb-8f71-c52d4941dc1d" providerId="ADAL" clId="{382A3C6E-F3B3-4283-A8A4-1F7285F3E9A4}" dt="2023-05-21T07:35:46.366" v="80" actId="20577"/>
+          <ac:spMkLst>
+            <pc:docMk/>
+            <pc:sldMk cId="89592267" sldId="274"/>
+            <ac:spMk id="10" creationId="{10D0CCDE-49BF-44C6-92AB-7181C4CBB490}"/>
+          </ac:spMkLst>
+        </pc:spChg>
+        <pc:picChg chg="add del mod">
+          <ac:chgData name="Thomas Xu" userId="72a40c57-58f8-4deb-8f71-c52d4941dc1d" providerId="ADAL" clId="{382A3C6E-F3B3-4283-A8A4-1F7285F3E9A4}" dt="2023-05-21T07:34:51.264" v="39" actId="478"/>
+          <ac:picMkLst>
+            <pc:docMk/>
+            <pc:sldMk cId="89592267" sldId="274"/>
+            <ac:picMk id="5" creationId="{EA6EF779-E4B3-5B52-01B4-6CD7449B4BE8}"/>
+          </ac:picMkLst>
+        </pc:picChg>
+        <pc:picChg chg="add del mod">
+          <ac:chgData name="Thomas Xu" userId="72a40c57-58f8-4deb-8f71-c52d4941dc1d" providerId="ADAL" clId="{382A3C6E-F3B3-4283-A8A4-1F7285F3E9A4}" dt="2023-05-21T07:34:50.904" v="38" actId="478"/>
+          <ac:picMkLst>
+            <pc:docMk/>
+            <pc:sldMk cId="89592267" sldId="274"/>
+            <ac:picMk id="7" creationId="{90F7476B-3B73-8D16-0556-BCEFCC73B898}"/>
+          </ac:picMkLst>
+        </pc:picChg>
+        <pc:picChg chg="add mod">
+          <ac:chgData name="Thomas Xu" userId="72a40c57-58f8-4deb-8f71-c52d4941dc1d" providerId="ADAL" clId="{382A3C6E-F3B3-4283-A8A4-1F7285F3E9A4}" dt="2023-05-21T07:35:07.213" v="44" actId="1076"/>
+          <ac:picMkLst>
+            <pc:docMk/>
+            <pc:sldMk cId="89592267" sldId="274"/>
+            <ac:picMk id="9" creationId="{CAD90F26-9212-3FE1-FE04-E8ECCB58B5C8}"/>
+          </ac:picMkLst>
+        </pc:picChg>
       </pc:sldChg>
     </pc:docChg>
   </pc:docChgLst>
@@ -8108,7 +8163,7 @@
           <a:p>
             <a:r>
               <a:rPr lang="en-NZ" dirty="0"/>
-              <a:t>[Component name]: Testing </a:t>
+              <a:t>[Yes/No checker]: Testing </a:t>
             </a:r>
           </a:p>
         </p:txBody>
@@ -8144,6 +8199,71 @@
             <a:r>
               <a:rPr lang="en-NZ" i="1" dirty="0"/>
               <a:t>You must show the results of testing. For each component, include a screenshot proving it works.  You can also include notes about each test. </a:t>
+            </a:r>
+          </a:p>
+        </p:txBody>
+      </p:sp>
+      <p:pic>
+        <p:nvPicPr>
+          <p:cNvPr id="9" name="Picture 8">
+            <a:extLst>
+              <a:ext uri="{FF2B5EF4-FFF2-40B4-BE49-F238E27FC236}">
+                <a16:creationId xmlns:a16="http://schemas.microsoft.com/office/drawing/2014/main" id="{CAD90F26-9212-3FE1-FE04-E8ECCB58B5C8}"/>
+              </a:ext>
+            </a:extLst>
+          </p:cNvPr>
+          <p:cNvPicPr>
+            <a:picLocks noChangeAspect="1"/>
+          </p:cNvPicPr>
+          <p:nvPr/>
+        </p:nvPicPr>
+        <p:blipFill>
+          <a:blip r:embed="rId3"/>
+          <a:stretch>
+            <a:fillRect/>
+          </a:stretch>
+        </p:blipFill>
+        <p:spPr>
+          <a:xfrm>
+            <a:off x="137227" y="2216728"/>
+            <a:ext cx="11773064" cy="2820472"/>
+          </a:xfrm>
+          <a:prstGeom prst="rect">
+            <a:avLst/>
+          </a:prstGeom>
+        </p:spPr>
+      </p:pic>
+      <p:sp>
+        <p:nvSpPr>
+          <p:cNvPr id="10" name="TextBox 9">
+            <a:extLst>
+              <a:ext uri="{FF2B5EF4-FFF2-40B4-BE49-F238E27FC236}">
+                <a16:creationId xmlns:a16="http://schemas.microsoft.com/office/drawing/2014/main" id="{10D0CCDE-49BF-44C6-92AB-7181C4CBB490}"/>
+              </a:ext>
+            </a:extLst>
+          </p:cNvPr>
+          <p:cNvSpPr txBox="1"/>
+          <p:nvPr/>
+        </p:nvSpPr>
+        <p:spPr>
+          <a:xfrm>
+            <a:off x="4179455" y="5398655"/>
+            <a:ext cx="3300840" cy="369332"/>
+          </a:xfrm>
+          <a:prstGeom prst="rect">
+            <a:avLst/>
+          </a:prstGeom>
+          <a:noFill/>
+        </p:spPr>
+        <p:txBody>
+          <a:bodyPr wrap="none" rtlCol="0">
+            <a:spAutoFit/>
+          </a:bodyPr>
+          <a:lstStyle/>
+          <a:p>
+            <a:r>
+              <a:rPr lang="en-NZ" dirty="0"/>
+              <a:t>All test cases worked as expected</a:t>
             </a:r>
           </a:p>
         </p:txBody>
@@ -8752,18 +8872,18 @@
 </file>
 
 <file path=customXml/item1.xml><?xml version="1.0" encoding="utf-8"?>
-<p:properties xmlns:p="http://schemas.microsoft.com/office/2006/metadata/properties" xmlns:xsi="http://www.w3.org/2001/XMLSchema-instance" xmlns:pc="http://schemas.microsoft.com/office/infopath/2007/PartnerControls">
-  <documentManagement/>
-</p:properties>
-</file>
-
-<file path=customXml/item2.xml><?xml version="1.0" encoding="utf-8"?>
 <?mso-contentType ?>
 <FormTemplates xmlns="http://schemas.microsoft.com/sharepoint/v3/contenttype/forms">
   <Display>DocumentLibraryForm</Display>
   <Edit>DocumentLibraryForm</Edit>
   <New>DocumentLibraryForm</New>
 </FormTemplates>
+</file>
+
+<file path=customXml/item2.xml><?xml version="1.0" encoding="utf-8"?>
+<p:properties xmlns:p="http://schemas.microsoft.com/office/2006/metadata/properties" xmlns:xsi="http://www.w3.org/2001/XMLSchema-instance" xmlns:pc="http://schemas.microsoft.com/office/infopath/2007/PartnerControls">
+  <documentManagement/>
+</p:properties>
 </file>
 
 <file path=customXml/item3.xml><?xml version="1.0" encoding="utf-8"?>
@@ -8990,6 +9110,14 @@
 </file>
 
 <file path=customXml/itemProps1.xml><?xml version="1.0" encoding="utf-8"?>
+<ds:datastoreItem xmlns:ds="http://schemas.openxmlformats.org/officeDocument/2006/customXml" ds:itemID="{996D3308-852E-4C8B-B252-FF4AAFB3F53B}">
+  <ds:schemaRefs>
+    <ds:schemaRef ds:uri="http://schemas.microsoft.com/sharepoint/v3/contenttype/forms"/>
+  </ds:schemaRefs>
+</ds:datastoreItem>
+</file>
+
+<file path=customXml/itemProps2.xml><?xml version="1.0" encoding="utf-8"?>
 <ds:datastoreItem xmlns:ds="http://schemas.openxmlformats.org/officeDocument/2006/customXml" ds:itemID="{D3E43842-9024-4A34-8C28-3EA5A3BEB66C}">
   <ds:schemaRefs>
     <ds:schemaRef ds:uri="http://schemas.microsoft.com/office/2006/documentManagement/types"/>
@@ -9002,14 +9130,6 @@
     <ds:schemaRef ds:uri="http://www.w3.org/XML/1998/namespace"/>
     <ds:schemaRef ds:uri="http://purl.org/dc/elements/1.1/"/>
     <ds:schemaRef ds:uri="e64b035b-d3bf-4281-aae9-e2992bd2c409"/>
-  </ds:schemaRefs>
-</ds:datastoreItem>
-</file>
-
-<file path=customXml/itemProps2.xml><?xml version="1.0" encoding="utf-8"?>
-<ds:datastoreItem xmlns:ds="http://schemas.openxmlformats.org/officeDocument/2006/customXml" ds:itemID="{996D3308-852E-4C8B-B252-FF4AAFB3F53B}">
-  <ds:schemaRefs>
-    <ds:schemaRef ds:uri="http://schemas.microsoft.com/sharepoint/v3/contenttype/forms"/>
   </ds:schemaRefs>
 </ds:datastoreItem>
 </file>

--- a/PPT/1.7 and 1.8 documentation  1 (1).pptx
+++ b/PPT/1.7 and 1.8 documentation  1 (1).pptx
@@ -140,10 +140,40 @@
   <pc:docChgLst>
     <pc:chgData name="Thomas Xu" userId="72a40c57-58f8-4deb-8f71-c52d4941dc1d" providerId="ADAL" clId="{382A3C6E-F3B3-4283-A8A4-1F7285F3E9A4}"/>
     <pc:docChg chg="custSel modSld">
-      <pc:chgData name="Thomas Xu" userId="72a40c57-58f8-4deb-8f71-c52d4941dc1d" providerId="ADAL" clId="{382A3C6E-F3B3-4283-A8A4-1F7285F3E9A4}" dt="2023-05-21T07:35:46.366" v="80" actId="20577"/>
+      <pc:chgData name="Thomas Xu" userId="72a40c57-58f8-4deb-8f71-c52d4941dc1d" providerId="ADAL" clId="{382A3C6E-F3B3-4283-A8A4-1F7285F3E9A4}" dt="2023-05-21T08:58:21.330" v="140" actId="1076"/>
       <pc:docMkLst>
         <pc:docMk/>
       </pc:docMkLst>
+      <pc:sldChg chg="modSp mod">
+        <pc:chgData name="Thomas Xu" userId="72a40c57-58f8-4deb-8f71-c52d4941dc1d" providerId="ADAL" clId="{382A3C6E-F3B3-4283-A8A4-1F7285F3E9A4}" dt="2023-05-21T08:58:03.739" v="139" actId="20577"/>
+        <pc:sldMkLst>
+          <pc:docMk/>
+          <pc:sldMk cId="0" sldId="268"/>
+        </pc:sldMkLst>
+        <pc:spChg chg="mod">
+          <ac:chgData name="Thomas Xu" userId="72a40c57-58f8-4deb-8f71-c52d4941dc1d" providerId="ADAL" clId="{382A3C6E-F3B3-4283-A8A4-1F7285F3E9A4}" dt="2023-05-21T08:58:03.739" v="139" actId="20577"/>
+          <ac:spMkLst>
+            <pc:docMk/>
+            <pc:sldMk cId="0" sldId="268"/>
+            <ac:spMk id="86" creationId="{00000000-0000-0000-0000-000000000000}"/>
+          </ac:spMkLst>
+        </pc:spChg>
+      </pc:sldChg>
+      <pc:sldChg chg="modSp mod">
+        <pc:chgData name="Thomas Xu" userId="72a40c57-58f8-4deb-8f71-c52d4941dc1d" providerId="ADAL" clId="{382A3C6E-F3B3-4283-A8A4-1F7285F3E9A4}" dt="2023-05-21T08:58:21.330" v="140" actId="1076"/>
+        <pc:sldMkLst>
+          <pc:docMk/>
+          <pc:sldMk cId="1053444694" sldId="270"/>
+        </pc:sldMkLst>
+        <pc:spChg chg="mod">
+          <ac:chgData name="Thomas Xu" userId="72a40c57-58f8-4deb-8f71-c52d4941dc1d" providerId="ADAL" clId="{382A3C6E-F3B3-4283-A8A4-1F7285F3E9A4}" dt="2023-05-21T08:58:21.330" v="140" actId="1076"/>
+          <ac:spMkLst>
+            <pc:docMk/>
+            <pc:sldMk cId="1053444694" sldId="270"/>
+            <ac:spMk id="2" creationId="{0D168B5A-EFF4-4803-8DA6-5994B306EBAF}"/>
+          </ac:spMkLst>
+        </pc:spChg>
+      </pc:sldChg>
       <pc:sldChg chg="modSp mod">
         <pc:chgData name="Thomas Xu" userId="72a40c57-58f8-4deb-8f71-c52d4941dc1d" providerId="ADAL" clId="{382A3C6E-F3B3-4283-A8A4-1F7285F3E9A4}" dt="2023-05-21T06:09:30.300" v="0" actId="1076"/>
         <pc:sldMkLst>
@@ -5495,7 +5525,7 @@
         </p:nvSpPr>
         <p:spPr>
           <a:xfrm>
-            <a:off x="838200" y="365125"/>
+            <a:off x="838200" y="300470"/>
             <a:ext cx="10515600" cy="640715"/>
           </a:xfrm>
         </p:spPr>
@@ -7014,7 +7044,7 @@
           <a:p>
             <a:r>
               <a:rPr lang="en" sz="4000" dirty="0"/>
-              <a:t>[Component name] (Trello screenshot)</a:t>
+              <a:t>[Component 1] (Instruction&amp;yes/no checker)</a:t>
             </a:r>
             <a:endParaRPr sz="4000" dirty="0"/>
           </a:p>
@@ -8872,18 +8902,18 @@
 </file>
 
 <file path=customXml/item1.xml><?xml version="1.0" encoding="utf-8"?>
+<p:properties xmlns:p="http://schemas.microsoft.com/office/2006/metadata/properties" xmlns:xsi="http://www.w3.org/2001/XMLSchema-instance" xmlns:pc="http://schemas.microsoft.com/office/infopath/2007/PartnerControls">
+  <documentManagement/>
+</p:properties>
+</file>
+
+<file path=customXml/item2.xml><?xml version="1.0" encoding="utf-8"?>
 <?mso-contentType ?>
 <FormTemplates xmlns="http://schemas.microsoft.com/sharepoint/v3/contenttype/forms">
   <Display>DocumentLibraryForm</Display>
   <Edit>DocumentLibraryForm</Edit>
   <New>DocumentLibraryForm</New>
 </FormTemplates>
-</file>
-
-<file path=customXml/item2.xml><?xml version="1.0" encoding="utf-8"?>
-<p:properties xmlns:p="http://schemas.microsoft.com/office/2006/metadata/properties" xmlns:xsi="http://www.w3.org/2001/XMLSchema-instance" xmlns:pc="http://schemas.microsoft.com/office/infopath/2007/PartnerControls">
-  <documentManagement/>
-</p:properties>
 </file>
 
 <file path=customXml/item3.xml><?xml version="1.0" encoding="utf-8"?>
@@ -9110,14 +9140,6 @@
 </file>
 
 <file path=customXml/itemProps1.xml><?xml version="1.0" encoding="utf-8"?>
-<ds:datastoreItem xmlns:ds="http://schemas.openxmlformats.org/officeDocument/2006/customXml" ds:itemID="{996D3308-852E-4C8B-B252-FF4AAFB3F53B}">
-  <ds:schemaRefs>
-    <ds:schemaRef ds:uri="http://schemas.microsoft.com/sharepoint/v3/contenttype/forms"/>
-  </ds:schemaRefs>
-</ds:datastoreItem>
-</file>
-
-<file path=customXml/itemProps2.xml><?xml version="1.0" encoding="utf-8"?>
 <ds:datastoreItem xmlns:ds="http://schemas.openxmlformats.org/officeDocument/2006/customXml" ds:itemID="{D3E43842-9024-4A34-8C28-3EA5A3BEB66C}">
   <ds:schemaRefs>
     <ds:schemaRef ds:uri="http://schemas.microsoft.com/office/2006/documentManagement/types"/>
@@ -9130,6 +9152,14 @@
     <ds:schemaRef ds:uri="http://www.w3.org/XML/1998/namespace"/>
     <ds:schemaRef ds:uri="http://purl.org/dc/elements/1.1/"/>
     <ds:schemaRef ds:uri="e64b035b-d3bf-4281-aae9-e2992bd2c409"/>
+  </ds:schemaRefs>
+</ds:datastoreItem>
+</file>
+
+<file path=customXml/itemProps2.xml><?xml version="1.0" encoding="utf-8"?>
+<ds:datastoreItem xmlns:ds="http://schemas.openxmlformats.org/officeDocument/2006/customXml" ds:itemID="{996D3308-852E-4C8B-B252-FF4AAFB3F53B}">
+  <ds:schemaRefs>
+    <ds:schemaRef ds:uri="http://schemas.microsoft.com/sharepoint/v3/contenttype/forms"/>
   </ds:schemaRefs>
 </ds:datastoreItem>
 </file>

--- a/PPT/1.7 and 1.8 documentation  1 (1).pptx
+++ b/PPT/1.7 and 1.8 documentation  1 (1).pptx
@@ -5,7 +5,7 @@
     <p:sldMasterId id="2147483648" r:id="rId4"/>
   </p:sldMasterIdLst>
   <p:notesMasterIdLst>
-    <p:notesMasterId r:id="rId18"/>
+    <p:notesMasterId r:id="rId19"/>
   </p:notesMasterIdLst>
   <p:sldIdLst>
     <p:sldId id="256" r:id="rId5"/>
@@ -21,6 +21,7 @@
     <p:sldId id="270" r:id="rId15"/>
     <p:sldId id="261" r:id="rId16"/>
     <p:sldId id="266" r:id="rId17"/>
+    <p:sldId id="276" r:id="rId18"/>
   </p:sldIdLst>
   <p:sldSz cx="12192000" cy="6858000"/>
   <p:notesSz cx="6858000" cy="9144000"/>
@@ -130,7 +131,7 @@
 <file path=ppt/revisionInfo.xml><?xml version="1.0" encoding="utf-8"?>
 <p1510:revInfo xmlns:a="http://schemas.openxmlformats.org/drawingml/2006/main" xmlns:r="http://schemas.openxmlformats.org/officeDocument/2006/relationships" xmlns:p1510="http://schemas.microsoft.com/office/powerpoint/2015/10/main">
   <p1510:revLst>
-    <p1510:client id="{382A3C6E-F3B3-4283-A8A4-1F7285F3E9A4}" v="1" dt="2023-05-21T07:35:30.653"/>
+    <p1510:client id="{382A3C6E-F3B3-4283-A8A4-1F7285F3E9A4}" v="17" dt="2023-05-21T10:52:57.823"/>
   </p1510:revLst>
 </p1510:revInfo>
 </file>
@@ -139,11 +140,97 @@
 <pc:chgInfo xmlns:a="http://schemas.openxmlformats.org/drawingml/2006/main" xmlns:r="http://schemas.openxmlformats.org/officeDocument/2006/relationships" xmlns:ac="http://schemas.microsoft.com/office/drawing/2013/main/command" xmlns:pc="http://schemas.microsoft.com/office/powerpoint/2013/main/command">
   <pc:docChgLst>
     <pc:chgData name="Thomas Xu" userId="72a40c57-58f8-4deb-8f71-c52d4941dc1d" providerId="ADAL" clId="{382A3C6E-F3B3-4283-A8A4-1F7285F3E9A4}"/>
-    <pc:docChg chg="custSel modSld">
-      <pc:chgData name="Thomas Xu" userId="72a40c57-58f8-4deb-8f71-c52d4941dc1d" providerId="ADAL" clId="{382A3C6E-F3B3-4283-A8A4-1F7285F3E9A4}" dt="2023-05-21T08:58:21.330" v="140" actId="1076"/>
+    <pc:docChg chg="undo custSel addSld modSld">
+      <pc:chgData name="Thomas Xu" userId="72a40c57-58f8-4deb-8f71-c52d4941dc1d" providerId="ADAL" clId="{382A3C6E-F3B3-4283-A8A4-1F7285F3E9A4}" dt="2023-05-21T10:54:24.875" v="367" actId="20577"/>
       <pc:docMkLst>
         <pc:docMk/>
       </pc:docMkLst>
+      <pc:sldChg chg="addSp modSp mod setBg">
+        <pc:chgData name="Thomas Xu" userId="72a40c57-58f8-4deb-8f71-c52d4941dc1d" providerId="ADAL" clId="{382A3C6E-F3B3-4283-A8A4-1F7285F3E9A4}" dt="2023-05-21T10:44:53.381" v="173" actId="26606"/>
+        <pc:sldMkLst>
+          <pc:docMk/>
+          <pc:sldMk cId="1357549755" sldId="261"/>
+        </pc:sldMkLst>
+        <pc:spChg chg="mod">
+          <ac:chgData name="Thomas Xu" userId="72a40c57-58f8-4deb-8f71-c52d4941dc1d" providerId="ADAL" clId="{382A3C6E-F3B3-4283-A8A4-1F7285F3E9A4}" dt="2023-05-21T10:44:53.381" v="173" actId="26606"/>
+          <ac:spMkLst>
+            <pc:docMk/>
+            <pc:sldMk cId="1357549755" sldId="261"/>
+            <ac:spMk id="2" creationId="{D62183D5-E1F8-4917-B0BA-FC2E62047445}"/>
+          </ac:spMkLst>
+        </pc:spChg>
+        <pc:spChg chg="mod">
+          <ac:chgData name="Thomas Xu" userId="72a40c57-58f8-4deb-8f71-c52d4941dc1d" providerId="ADAL" clId="{382A3C6E-F3B3-4283-A8A4-1F7285F3E9A4}" dt="2023-05-21T10:44:53.381" v="173" actId="26606"/>
+          <ac:spMkLst>
+            <pc:docMk/>
+            <pc:sldMk cId="1357549755" sldId="261"/>
+            <ac:spMk id="3" creationId="{A89172B1-B985-48A3-8018-FC6FF45BCE4F}"/>
+          </ac:spMkLst>
+        </pc:spChg>
+        <pc:spChg chg="add">
+          <ac:chgData name="Thomas Xu" userId="72a40c57-58f8-4deb-8f71-c52d4941dc1d" providerId="ADAL" clId="{382A3C6E-F3B3-4283-A8A4-1F7285F3E9A4}" dt="2023-05-21T10:44:53.381" v="173" actId="26606"/>
+          <ac:spMkLst>
+            <pc:docMk/>
+            <pc:sldMk cId="1357549755" sldId="261"/>
+            <ac:spMk id="12" creationId="{385E1BDC-A9B0-4A87-82E3-F3187F69A802}"/>
+          </ac:spMkLst>
+        </pc:spChg>
+        <pc:spChg chg="add">
+          <ac:chgData name="Thomas Xu" userId="72a40c57-58f8-4deb-8f71-c52d4941dc1d" providerId="ADAL" clId="{382A3C6E-F3B3-4283-A8A4-1F7285F3E9A4}" dt="2023-05-21T10:44:53.381" v="173" actId="26606"/>
+          <ac:spMkLst>
+            <pc:docMk/>
+            <pc:sldMk cId="1357549755" sldId="261"/>
+            <ac:spMk id="14" creationId="{0990C621-3B8B-4820-8328-D47EF7CE823C}"/>
+          </ac:spMkLst>
+        </pc:spChg>
+        <pc:spChg chg="add">
+          <ac:chgData name="Thomas Xu" userId="72a40c57-58f8-4deb-8f71-c52d4941dc1d" providerId="ADAL" clId="{382A3C6E-F3B3-4283-A8A4-1F7285F3E9A4}" dt="2023-05-21T10:44:53.381" v="173" actId="26606"/>
+          <ac:spMkLst>
+            <pc:docMk/>
+            <pc:sldMk cId="1357549755" sldId="261"/>
+            <ac:spMk id="16" creationId="{C1A2385B-1D2A-4E17-84FA-6CB7F0AAE473}"/>
+          </ac:spMkLst>
+        </pc:spChg>
+        <pc:spChg chg="add">
+          <ac:chgData name="Thomas Xu" userId="72a40c57-58f8-4deb-8f71-c52d4941dc1d" providerId="ADAL" clId="{382A3C6E-F3B3-4283-A8A4-1F7285F3E9A4}" dt="2023-05-21T10:44:53.381" v="173" actId="26606"/>
+          <ac:spMkLst>
+            <pc:docMk/>
+            <pc:sldMk cId="1357549755" sldId="261"/>
+            <ac:spMk id="18" creationId="{5E791F2F-79DB-4CC0-9FA1-001E3E91E8B7}"/>
+          </ac:spMkLst>
+        </pc:spChg>
+        <pc:picChg chg="add mod">
+          <ac:chgData name="Thomas Xu" userId="72a40c57-58f8-4deb-8f71-c52d4941dc1d" providerId="ADAL" clId="{382A3C6E-F3B3-4283-A8A4-1F7285F3E9A4}" dt="2023-05-21T10:44:53.381" v="173" actId="26606"/>
+          <ac:picMkLst>
+            <pc:docMk/>
+            <pc:sldMk cId="1357549755" sldId="261"/>
+            <ac:picMk id="5" creationId="{76DBB784-5A44-A4C7-4C5F-E175967539DE}"/>
+          </ac:picMkLst>
+        </pc:picChg>
+        <pc:picChg chg="add mod">
+          <ac:chgData name="Thomas Xu" userId="72a40c57-58f8-4deb-8f71-c52d4941dc1d" providerId="ADAL" clId="{382A3C6E-F3B3-4283-A8A4-1F7285F3E9A4}" dt="2023-05-21T10:44:53.381" v="173" actId="26606"/>
+          <ac:picMkLst>
+            <pc:docMk/>
+            <pc:sldMk cId="1357549755" sldId="261"/>
+            <ac:picMk id="7" creationId="{54E69ECD-A564-AAE5-B4BD-29051B207492}"/>
+          </ac:picMkLst>
+        </pc:picChg>
+      </pc:sldChg>
+      <pc:sldChg chg="addSp modSp mod">
+        <pc:chgData name="Thomas Xu" userId="72a40c57-58f8-4deb-8f71-c52d4941dc1d" providerId="ADAL" clId="{382A3C6E-F3B3-4283-A8A4-1F7285F3E9A4}" dt="2023-05-21T10:53:56.390" v="366" actId="20577"/>
+        <pc:sldMkLst>
+          <pc:docMk/>
+          <pc:sldMk cId="2276153040" sldId="266"/>
+        </pc:sldMkLst>
+        <pc:spChg chg="add mod">
+          <ac:chgData name="Thomas Xu" userId="72a40c57-58f8-4deb-8f71-c52d4941dc1d" providerId="ADAL" clId="{382A3C6E-F3B3-4283-A8A4-1F7285F3E9A4}" dt="2023-05-21T10:53:56.390" v="366" actId="20577"/>
+          <ac:spMkLst>
+            <pc:docMk/>
+            <pc:sldMk cId="2276153040" sldId="266"/>
+            <ac:spMk id="4" creationId="{4D3B16CF-A74D-AC71-08F2-036C04CD19A7}"/>
+          </ac:spMkLst>
+        </pc:spChg>
+      </pc:sldChg>
       <pc:sldChg chg="modSp mod">
         <pc:chgData name="Thomas Xu" userId="72a40c57-58f8-4deb-8f71-c52d4941dc1d" providerId="ADAL" clId="{382A3C6E-F3B3-4283-A8A4-1F7285F3E9A4}" dt="2023-05-21T08:58:03.739" v="139" actId="20577"/>
         <pc:sldMkLst>
@@ -160,7 +247,7 @@
         </pc:spChg>
       </pc:sldChg>
       <pc:sldChg chg="modSp mod">
-        <pc:chgData name="Thomas Xu" userId="72a40c57-58f8-4deb-8f71-c52d4941dc1d" providerId="ADAL" clId="{382A3C6E-F3B3-4283-A8A4-1F7285F3E9A4}" dt="2023-05-21T08:58:21.330" v="140" actId="1076"/>
+        <pc:chgData name="Thomas Xu" userId="72a40c57-58f8-4deb-8f71-c52d4941dc1d" providerId="ADAL" clId="{382A3C6E-F3B3-4283-A8A4-1F7285F3E9A4}" dt="2023-05-21T10:42:25.015" v="167" actId="1076"/>
         <pc:sldMkLst>
           <pc:docMk/>
           <pc:sldMk cId="1053444694" sldId="270"/>
@@ -173,6 +260,14 @@
             <ac:spMk id="2" creationId="{0D168B5A-EFF4-4803-8DA6-5994B306EBAF}"/>
           </ac:spMkLst>
         </pc:spChg>
+        <pc:graphicFrameChg chg="mod modGraphic">
+          <ac:chgData name="Thomas Xu" userId="72a40c57-58f8-4deb-8f71-c52d4941dc1d" providerId="ADAL" clId="{382A3C6E-F3B3-4283-A8A4-1F7285F3E9A4}" dt="2023-05-21T10:42:25.015" v="167" actId="1076"/>
+          <ac:graphicFrameMkLst>
+            <pc:docMk/>
+            <pc:sldMk cId="1053444694" sldId="270"/>
+            <ac:graphicFrameMk id="4" creationId="{54A393A9-6C94-409B-BDCB-65C4ABAA2DD1}"/>
+          </ac:graphicFrameMkLst>
+        </pc:graphicFrameChg>
       </pc:sldChg>
       <pc:sldChg chg="modSp mod">
         <pc:chgData name="Thomas Xu" userId="72a40c57-58f8-4deb-8f71-c52d4941dc1d" providerId="ADAL" clId="{382A3C6E-F3B3-4283-A8A4-1F7285F3E9A4}" dt="2023-05-21T06:09:30.300" v="0" actId="1076"/>
@@ -233,6 +328,44 @@
             <pc:docMk/>
             <pc:sldMk cId="89592267" sldId="274"/>
             <ac:picMk id="9" creationId="{CAD90F26-9212-3FE1-FE04-E8ECCB58B5C8}"/>
+          </ac:picMkLst>
+        </pc:picChg>
+      </pc:sldChg>
+      <pc:sldChg chg="modSp mod">
+        <pc:chgData name="Thomas Xu" userId="72a40c57-58f8-4deb-8f71-c52d4941dc1d" providerId="ADAL" clId="{382A3C6E-F3B3-4283-A8A4-1F7285F3E9A4}" dt="2023-05-21T10:54:24.875" v="367" actId="20577"/>
+        <pc:sldMkLst>
+          <pc:docMk/>
+          <pc:sldMk cId="409615188" sldId="275"/>
+        </pc:sldMkLst>
+        <pc:spChg chg="mod">
+          <ac:chgData name="Thomas Xu" userId="72a40c57-58f8-4deb-8f71-c52d4941dc1d" providerId="ADAL" clId="{382A3C6E-F3B3-4283-A8A4-1F7285F3E9A4}" dt="2023-05-21T10:54:24.875" v="367" actId="20577"/>
+          <ac:spMkLst>
+            <pc:docMk/>
+            <pc:sldMk cId="409615188" sldId="275"/>
+            <ac:spMk id="91" creationId="{00000000-0000-0000-0000-000000000000}"/>
+          </ac:spMkLst>
+        </pc:spChg>
+      </pc:sldChg>
+      <pc:sldChg chg="addSp modSp new mod">
+        <pc:chgData name="Thomas Xu" userId="72a40c57-58f8-4deb-8f71-c52d4941dc1d" providerId="ADAL" clId="{382A3C6E-F3B3-4283-A8A4-1F7285F3E9A4}" dt="2023-05-21T10:52:04.703" v="222" actId="1076"/>
+        <pc:sldMkLst>
+          <pc:docMk/>
+          <pc:sldMk cId="1503891722" sldId="276"/>
+        </pc:sldMkLst>
+        <pc:spChg chg="mod">
+          <ac:chgData name="Thomas Xu" userId="72a40c57-58f8-4deb-8f71-c52d4941dc1d" providerId="ADAL" clId="{382A3C6E-F3B3-4283-A8A4-1F7285F3E9A4}" dt="2023-05-21T10:46:14.084" v="219" actId="20577"/>
+          <ac:spMkLst>
+            <pc:docMk/>
+            <pc:sldMk cId="1503891722" sldId="276"/>
+            <ac:spMk id="2" creationId="{E01620D1-D956-B53D-F08F-69E910D1B559}"/>
+          </ac:spMkLst>
+        </pc:spChg>
+        <pc:picChg chg="add mod">
+          <ac:chgData name="Thomas Xu" userId="72a40c57-58f8-4deb-8f71-c52d4941dc1d" providerId="ADAL" clId="{382A3C6E-F3B3-4283-A8A4-1F7285F3E9A4}" dt="2023-05-21T10:52:04.703" v="222" actId="1076"/>
+          <ac:picMkLst>
+            <pc:docMk/>
+            <pc:sldMk cId="1503891722" sldId="276"/>
+            <ac:picMk id="4" creationId="{AE2EE720-227A-206B-5005-4971CB54788F}"/>
           </ac:picMkLst>
         </pc:picChg>
       </pc:sldChg>
@@ -5565,14 +5698,14 @@
           <p:nvPr>
             <p:extLst>
               <p:ext uri="{D42A27DB-BD31-4B8C-83A1-F6EECF244321}">
-                <p14:modId xmlns:p14="http://schemas.microsoft.com/office/powerpoint/2010/main" val="314179954"/>
+                <p14:modId xmlns:p14="http://schemas.microsoft.com/office/powerpoint/2010/main" val="2780773846"/>
               </p:ext>
             </p:extLst>
           </p:nvPr>
         </p:nvGraphicFramePr>
         <p:xfrm>
-          <a:off x="782320" y="1213485"/>
-          <a:ext cx="10627360" cy="1854200"/>
+          <a:off x="1200573" y="941185"/>
+          <a:ext cx="9230360" cy="5802208"/>
         </p:xfrm>
         <a:graphic>
           <a:graphicData uri="http://schemas.openxmlformats.org/drawingml/2006/table">
@@ -5581,14 +5714,14 @@
                 <a:tableStyleId>{5C22544A-7EE6-4342-B048-85BDC9FD1C3A}</a:tableStyleId>
               </a:tblPr>
               <a:tblGrid>
-                <a:gridCol w="3505200">
+                <a:gridCol w="3044430">
                   <a:extLst>
                     <a:ext uri="{9D8B030D-6E8A-4147-A177-3AD203B41FA5}">
                       <a16:colId xmlns:a16="http://schemas.microsoft.com/office/drawing/2014/main" val="2849256304"/>
                     </a:ext>
                   </a:extLst>
                 </a:gridCol>
-                <a:gridCol w="7122160">
+                <a:gridCol w="6185930">
                   <a:extLst>
                     <a:ext uri="{9D8B030D-6E8A-4147-A177-3AD203B41FA5}">
                       <a16:colId xmlns:a16="http://schemas.microsoft.com/office/drawing/2014/main" val="2106481727"/>
@@ -5596,7 +5729,7 @@
                   </a:extLst>
                 </a:gridCol>
               </a:tblGrid>
-              <a:tr h="370840">
+              <a:tr h="305647">
                 <a:tc>
                   <a:txBody>
                     <a:bodyPr/>
@@ -5637,11 +5770,125 @@
                   </a:ext>
                 </a:extLst>
               </a:tr>
-              <a:tr h="370840">
+              <a:tr h="993352">
                 <a:tc>
                   <a:txBody>
                     <a:bodyPr/>
                     <a:lstStyle/>
+                    <a:p>
+                      <a:pPr marL="0" marR="0" lvl="0" indent="0" algn="l" defTabSz="914400" rtl="0" eaLnBrk="1" fontAlgn="auto" latinLnBrk="0" hangingPunct="1">
+                        <a:lnSpc>
+                          <a:spcPct val="100000"/>
+                        </a:lnSpc>
+                        <a:spcBef>
+                          <a:spcPts val="0"/>
+                        </a:spcBef>
+                        <a:spcAft>
+                          <a:spcPts val="0"/>
+                        </a:spcAft>
+                        <a:buClrTx/>
+                        <a:buSzTx/>
+                        <a:buFontTx/>
+                        <a:buNone/>
+                        <a:tabLst/>
+                        <a:defRPr/>
+                      </a:pPr>
+                      <a:r>
+                        <a:rPr lang="en-NZ" sz="1800" kern="1200" dirty="0">
+                          <a:solidFill>
+                            <a:schemeClr val="dk1"/>
+                          </a:solidFill>
+                          <a:effectLst/>
+                          <a:latin typeface="+mn-lt"/>
+                          <a:ea typeface="+mn-ea"/>
+                          <a:cs typeface="+mn-cs"/>
+                        </a:rPr>
+                        <a:t>Functionality</a:t>
+                      </a:r>
+                    </a:p>
+                  </a:txBody>
+                  <a:tcPr/>
+                </a:tc>
+                <a:tc>
+                  <a:txBody>
+                    <a:bodyPr/>
+                    <a:lstStyle/>
+                    <a:p>
+                      <a:pPr marL="0" marR="0" lvl="0" indent="0" algn="l" defTabSz="914400" rtl="0" eaLnBrk="1" fontAlgn="auto" latinLnBrk="0" hangingPunct="1">
+                        <a:lnSpc>
+                          <a:spcPct val="100000"/>
+                        </a:lnSpc>
+                        <a:spcBef>
+                          <a:spcPts val="0"/>
+                        </a:spcBef>
+                        <a:spcAft>
+                          <a:spcPts val="0"/>
+                        </a:spcAft>
+                        <a:buClrTx/>
+                        <a:buSzTx/>
+                        <a:buFontTx/>
+                        <a:buNone/>
+                        <a:tabLst/>
+                        <a:defRPr/>
+                      </a:pPr>
+                      <a:r>
+                        <a:rPr lang="en-NZ" sz="1800" kern="1200" dirty="0">
+                          <a:solidFill>
+                            <a:schemeClr val="dk1"/>
+                          </a:solidFill>
+                          <a:effectLst/>
+                          <a:latin typeface="+mn-lt"/>
+                          <a:ea typeface="+mn-ea"/>
+                          <a:cs typeface="+mn-cs"/>
+                        </a:rPr>
+                        <a:t>I have comprehensively tested my outcome to ensure that the functionality implication has been address (i.e. it works for expected, unexpected and boundary values).</a:t>
+                      </a:r>
+                    </a:p>
+                  </a:txBody>
+                  <a:tcPr/>
+                </a:tc>
+                <a:extLst>
+                  <a:ext uri="{0D108BD9-81ED-4DB2-BD59-A6C34878D82A}">
+                    <a16:rowId xmlns:a16="http://schemas.microsoft.com/office/drawing/2014/main" val="2636529970"/>
+                  </a:ext>
+                </a:extLst>
+              </a:tr>
+              <a:tr h="764117">
+                <a:tc>
+                  <a:txBody>
+                    <a:bodyPr/>
+                    <a:lstStyle/>
+                    <a:p>
+                      <a:pPr marL="0" marR="0" lvl="0" indent="0" algn="l" defTabSz="914400" rtl="0" eaLnBrk="1" fontAlgn="auto" latinLnBrk="0" hangingPunct="1">
+                        <a:lnSpc>
+                          <a:spcPct val="100000"/>
+                        </a:lnSpc>
+                        <a:spcBef>
+                          <a:spcPts val="0"/>
+                        </a:spcBef>
+                        <a:spcAft>
+                          <a:spcPts val="0"/>
+                        </a:spcAft>
+                        <a:buClrTx/>
+                        <a:buSzTx/>
+                        <a:buFontTx/>
+                        <a:buNone/>
+                        <a:tabLst/>
+                        <a:defRPr/>
+                      </a:pPr>
+                      <a:r>
+                        <a:rPr lang="en-NZ" sz="1800" kern="1200" dirty="0">
+                          <a:solidFill>
+                            <a:schemeClr val="dk1"/>
+                          </a:solidFill>
+                          <a:effectLst/>
+                          <a:latin typeface="+mn-lt"/>
+                          <a:ea typeface="+mn-ea"/>
+                          <a:cs typeface="+mn-cs"/>
+                        </a:rPr>
+                        <a:t>Usability</a:t>
+                      </a:r>
+                    </a:p>
                     <a:p>
                       <a:endParaRPr lang="en-NZ" dirty="0"/>
                     </a:p>
@@ -5653,22 +5900,81 @@
                     <a:bodyPr/>
                     <a:lstStyle/>
                     <a:p>
-                      <a:endParaRPr lang="en-NZ" dirty="0"/>
+                      <a:pPr marL="0" marR="0" lvl="0" indent="0" algn="l" defTabSz="914400" rtl="0" eaLnBrk="1" fontAlgn="auto" latinLnBrk="0" hangingPunct="1">
+                        <a:lnSpc>
+                          <a:spcPct val="100000"/>
+                        </a:lnSpc>
+                        <a:spcBef>
+                          <a:spcPts val="0"/>
+                        </a:spcBef>
+                        <a:spcAft>
+                          <a:spcPts val="0"/>
+                        </a:spcAft>
+                        <a:buClrTx/>
+                        <a:buSzTx/>
+                        <a:buFontTx/>
+                        <a:buNone/>
+                        <a:tabLst/>
+                        <a:defRPr/>
+                      </a:pPr>
+                      <a:r>
+                        <a:rPr lang="en-NZ" sz="1800" kern="1200" dirty="0">
+                          <a:solidFill>
+                            <a:schemeClr val="dk1"/>
+                          </a:solidFill>
+                          <a:effectLst/>
+                          <a:latin typeface="+mn-lt"/>
+                          <a:ea typeface="+mn-ea"/>
+                          <a:cs typeface="+mn-cs"/>
+                        </a:rPr>
+                        <a:t>The inclusion of optional instructions and clear error messages helps to make the outcome easy to use.</a:t>
+                      </a:r>
                     </a:p>
                   </a:txBody>
                   <a:tcPr/>
                 </a:tc>
                 <a:extLst>
                   <a:ext uri="{0D108BD9-81ED-4DB2-BD59-A6C34878D82A}">
-                    <a16:rowId xmlns:a16="http://schemas.microsoft.com/office/drawing/2014/main" val="2636529970"/>
+                    <a16:rowId xmlns:a16="http://schemas.microsoft.com/office/drawing/2014/main" val="845002142"/>
                   </a:ext>
                 </a:extLst>
               </a:tr>
-              <a:tr h="370840">
+              <a:tr h="1222587">
                 <a:tc>
                   <a:txBody>
                     <a:bodyPr/>
                     <a:lstStyle/>
+                    <a:p>
+                      <a:pPr marL="0" marR="0" lvl="0" indent="0" algn="l" defTabSz="914400" rtl="0" eaLnBrk="1" fontAlgn="auto" latinLnBrk="0" hangingPunct="1">
+                        <a:lnSpc>
+                          <a:spcPct val="100000"/>
+                        </a:lnSpc>
+                        <a:spcBef>
+                          <a:spcPts val="0"/>
+                        </a:spcBef>
+                        <a:spcAft>
+                          <a:spcPts val="0"/>
+                        </a:spcAft>
+                        <a:buClrTx/>
+                        <a:buSzTx/>
+                        <a:buFontTx/>
+                        <a:buNone/>
+                        <a:tabLst/>
+                        <a:defRPr/>
+                      </a:pPr>
+                      <a:r>
+                        <a:rPr lang="en-NZ" sz="1800" kern="1200" dirty="0">
+                          <a:solidFill>
+                            <a:schemeClr val="dk1"/>
+                          </a:solidFill>
+                          <a:effectLst/>
+                          <a:latin typeface="+mn-lt"/>
+                          <a:ea typeface="+mn-ea"/>
+                          <a:cs typeface="+mn-cs"/>
+                        </a:rPr>
+                        <a:t>Aesthetics</a:t>
+                      </a:r>
+                    </a:p>
                     <a:p>
                       <a:endParaRPr lang="en-NZ" dirty="0"/>
                     </a:p>
@@ -5680,22 +5986,81 @@
                     <a:bodyPr/>
                     <a:lstStyle/>
                     <a:p>
-                      <a:endParaRPr lang="en-NZ" dirty="0"/>
+                      <a:pPr marL="0" marR="0" lvl="0" indent="0" algn="l" defTabSz="914400" rtl="0" eaLnBrk="1" fontAlgn="auto" latinLnBrk="0" hangingPunct="1">
+                        <a:lnSpc>
+                          <a:spcPct val="100000"/>
+                        </a:lnSpc>
+                        <a:spcBef>
+                          <a:spcPts val="0"/>
+                        </a:spcBef>
+                        <a:spcAft>
+                          <a:spcPts val="0"/>
+                        </a:spcAft>
+                        <a:buClrTx/>
+                        <a:buSzTx/>
+                        <a:buFontTx/>
+                        <a:buNone/>
+                        <a:tabLst/>
+                        <a:defRPr/>
+                      </a:pPr>
+                      <a:r>
+                        <a:rPr lang="en-NZ" sz="1800" kern="1200" dirty="0">
+                          <a:solidFill>
+                            <a:schemeClr val="dk1"/>
+                          </a:solidFill>
+                          <a:effectLst/>
+                          <a:latin typeface="+mn-lt"/>
+                          <a:ea typeface="+mn-ea"/>
+                          <a:cs typeface="+mn-cs"/>
+                        </a:rPr>
+                        <a:t>I have carefully spaced the program's output and used a statement generator to enhance its appearance. Whilst aesthetics is not the main focus of text based programs, ensuring the outcome looks good also helps address the usability implication.</a:t>
+                      </a:r>
                     </a:p>
                   </a:txBody>
                   <a:tcPr/>
                 </a:tc>
                 <a:extLst>
                   <a:ext uri="{0D108BD9-81ED-4DB2-BD59-A6C34878D82A}">
-                    <a16:rowId xmlns:a16="http://schemas.microsoft.com/office/drawing/2014/main" val="845002142"/>
+                    <a16:rowId xmlns:a16="http://schemas.microsoft.com/office/drawing/2014/main" val="1686164491"/>
                   </a:ext>
                 </a:extLst>
               </a:tr>
-              <a:tr h="370840">
+              <a:tr h="993352">
                 <a:tc>
                   <a:txBody>
                     <a:bodyPr/>
                     <a:lstStyle/>
+                    <a:p>
+                      <a:pPr marL="0" marR="0" lvl="0" indent="0" algn="l" defTabSz="914400" rtl="0" eaLnBrk="1" fontAlgn="auto" latinLnBrk="0" hangingPunct="1">
+                        <a:lnSpc>
+                          <a:spcPct val="100000"/>
+                        </a:lnSpc>
+                        <a:spcBef>
+                          <a:spcPts val="0"/>
+                        </a:spcBef>
+                        <a:spcAft>
+                          <a:spcPts val="0"/>
+                        </a:spcAft>
+                        <a:buClrTx/>
+                        <a:buSzTx/>
+                        <a:buFontTx/>
+                        <a:buNone/>
+                        <a:tabLst/>
+                        <a:defRPr/>
+                      </a:pPr>
+                      <a:r>
+                        <a:rPr lang="en-NZ" sz="1800" kern="1200" dirty="0">
+                          <a:solidFill>
+                            <a:schemeClr val="dk1"/>
+                          </a:solidFill>
+                          <a:effectLst/>
+                          <a:latin typeface="+mn-lt"/>
+                          <a:ea typeface="+mn-ea"/>
+                          <a:cs typeface="+mn-cs"/>
+                        </a:rPr>
+                        <a:t>Social</a:t>
+                      </a:r>
+                    </a:p>
                     <a:p>
                       <a:endParaRPr lang="en-NZ" dirty="0"/>
                     </a:p>
@@ -5707,22 +6072,81 @@
                     <a:bodyPr/>
                     <a:lstStyle/>
                     <a:p>
-                      <a:endParaRPr lang="en-NZ" dirty="0"/>
+                      <a:pPr marL="0" marR="0" lvl="0" indent="0" algn="l" defTabSz="914400" rtl="0" eaLnBrk="1" fontAlgn="auto" latinLnBrk="0" hangingPunct="1">
+                        <a:lnSpc>
+                          <a:spcPct val="100000"/>
+                        </a:lnSpc>
+                        <a:spcBef>
+                          <a:spcPts val="0"/>
+                        </a:spcBef>
+                        <a:spcAft>
+                          <a:spcPts val="0"/>
+                        </a:spcAft>
+                        <a:buClrTx/>
+                        <a:buSzTx/>
+                        <a:buFontTx/>
+                        <a:buNone/>
+                        <a:tabLst/>
+                        <a:defRPr/>
+                      </a:pPr>
+                      <a:r>
+                        <a:rPr lang="en-NZ" sz="1800" kern="1200" dirty="0">
+                          <a:solidFill>
+                            <a:schemeClr val="dk1"/>
+                          </a:solidFill>
+                          <a:effectLst/>
+                          <a:latin typeface="+mn-lt"/>
+                          <a:ea typeface="+mn-ea"/>
+                          <a:cs typeface="+mn-cs"/>
+                        </a:rPr>
+                        <a:t>My program has a $10 limit on the amount users can spend. This addresses the social implications of gambling by making it difficult for users to spend an excessive amount of money.</a:t>
+                      </a:r>
                     </a:p>
                   </a:txBody>
                   <a:tcPr/>
                 </a:tc>
                 <a:extLst>
                   <a:ext uri="{0D108BD9-81ED-4DB2-BD59-A6C34878D82A}">
-                    <a16:rowId xmlns:a16="http://schemas.microsoft.com/office/drawing/2014/main" val="1686164491"/>
+                    <a16:rowId xmlns:a16="http://schemas.microsoft.com/office/drawing/2014/main" val="1038612699"/>
                   </a:ext>
                 </a:extLst>
               </a:tr>
-              <a:tr h="370840">
+              <a:tr h="1222587">
                 <a:tc>
                   <a:txBody>
                     <a:bodyPr/>
                     <a:lstStyle/>
+                    <a:p>
+                      <a:pPr marL="0" marR="0" lvl="0" indent="0" algn="l" defTabSz="914400" rtl="0" eaLnBrk="1" fontAlgn="auto" latinLnBrk="0" hangingPunct="1">
+                        <a:lnSpc>
+                          <a:spcPct val="100000"/>
+                        </a:lnSpc>
+                        <a:spcBef>
+                          <a:spcPts val="0"/>
+                        </a:spcBef>
+                        <a:spcAft>
+                          <a:spcPts val="0"/>
+                        </a:spcAft>
+                        <a:buClrTx/>
+                        <a:buSzTx/>
+                        <a:buFontTx/>
+                        <a:buNone/>
+                        <a:tabLst/>
+                        <a:defRPr/>
+                      </a:pPr>
+                      <a:r>
+                        <a:rPr lang="en-NZ" sz="1800" kern="1200" dirty="0">
+                          <a:solidFill>
+                            <a:schemeClr val="dk1"/>
+                          </a:solidFill>
+                          <a:effectLst/>
+                          <a:latin typeface="+mn-lt"/>
+                          <a:ea typeface="+mn-ea"/>
+                          <a:cs typeface="+mn-cs"/>
+                        </a:rPr>
+                        <a:t>Future proofing</a:t>
+                      </a:r>
+                    </a:p>
                     <a:p>
                       <a:endParaRPr lang="en-NZ" dirty="0"/>
                     </a:p>
@@ -5734,6 +6158,35 @@
                     <a:bodyPr/>
                     <a:lstStyle/>
                     <a:p>
+                      <a:pPr marL="0" marR="0" lvl="0" indent="0" algn="l" defTabSz="914400" rtl="0" eaLnBrk="1" fontAlgn="auto" latinLnBrk="0" hangingPunct="1">
+                        <a:lnSpc>
+                          <a:spcPct val="100000"/>
+                        </a:lnSpc>
+                        <a:spcBef>
+                          <a:spcPts val="0"/>
+                        </a:spcBef>
+                        <a:spcAft>
+                          <a:spcPts val="0"/>
+                        </a:spcAft>
+                        <a:buClrTx/>
+                        <a:buSzTx/>
+                        <a:buFontTx/>
+                        <a:buNone/>
+                        <a:tabLst/>
+                        <a:defRPr/>
+                      </a:pPr>
+                      <a:r>
+                        <a:rPr lang="en-NZ" sz="1800" kern="1200" dirty="0">
+                          <a:solidFill>
+                            <a:schemeClr val="dk1"/>
+                          </a:solidFill>
+                          <a:effectLst/>
+                          <a:latin typeface="+mn-lt"/>
+                          <a:ea typeface="+mn-ea"/>
+                          <a:cs typeface="+mn-cs"/>
+                        </a:rPr>
+                        <a:t>I avoided the use of literals and used functions to make my code flexible and easy to modify later if necessary. The code is well set out and commented so that another programmer can make changes easily at some future time.</a:t>
+                      </a:r>
                       <a:endParaRPr lang="en-NZ" dirty="0"/>
                     </a:p>
                   </a:txBody>
@@ -5741,7 +6194,7 @@
                 </a:tc>
                 <a:extLst>
                   <a:ext uri="{0D108BD9-81ED-4DB2-BD59-A6C34878D82A}">
-                    <a16:rowId xmlns:a16="http://schemas.microsoft.com/office/drawing/2014/main" val="1038612699"/>
+                    <a16:rowId xmlns:a16="http://schemas.microsoft.com/office/drawing/2014/main" val="2627715716"/>
                   </a:ext>
                 </a:extLst>
               </a:tr>
@@ -5765,6 +6218,14 @@
 <file path=ppt/slides/slide12.xml><?xml version="1.0" encoding="utf-8"?>
 <p:sld xmlns:a="http://schemas.openxmlformats.org/drawingml/2006/main" xmlns:r="http://schemas.openxmlformats.org/officeDocument/2006/relationships" xmlns:p="http://schemas.openxmlformats.org/presentationml/2006/main">
   <p:cSld>
+    <p:bg>
+      <p:bgPr>
+        <a:solidFill>
+          <a:schemeClr val="bg1"/>
+        </a:solidFill>
+        <a:effectLst/>
+      </p:bgPr>
+    </p:bg>
     <p:spTree>
       <p:nvGrpSpPr>
         <p:cNvPr id="1" name=""/>
@@ -5779,6 +6240,165 @@
           <a:chExt cx="0" cy="0"/>
         </a:xfrm>
       </p:grpSpPr>
+      <p:sp useBgFill="1">
+        <p:nvSpPr>
+          <p:cNvPr id="12" name="Rectangle 11">
+            <a:extLst>
+              <a:ext uri="{FF2B5EF4-FFF2-40B4-BE49-F238E27FC236}">
+                <a16:creationId xmlns:a16="http://schemas.microsoft.com/office/drawing/2014/main" id="{385E1BDC-A9B0-4A87-82E3-F3187F69A802}"/>
+              </a:ext>
+              <a:ext uri="{C183D7F6-B498-43B3-948B-1728B52AA6E4}">
+                <adec:decorative xmlns:adec="http://schemas.microsoft.com/office/drawing/2017/decorative" val="1"/>
+              </a:ext>
+            </a:extLst>
+          </p:cNvPr>
+          <p:cNvSpPr>
+            <a:spLocks noGrp="1" noRot="1" noChangeAspect="1" noMove="1" noResize="1" noEditPoints="1" noAdjustHandles="1" noChangeArrowheads="1" noChangeShapeType="1" noTextEdit="1"/>
+          </p:cNvSpPr>
+          <p:nvPr>
+            <p:extLst>
+              <p:ext uri="{386F3935-93C4-4BCD-93E2-E3B085C9AB24}">
+                <p16:designElem xmlns:p16="http://schemas.microsoft.com/office/powerpoint/2015/main" val="1"/>
+              </p:ext>
+            </p:extLst>
+          </p:nvPr>
+        </p:nvSpPr>
+        <p:spPr>
+          <a:xfrm>
+            <a:off x="0" y="0"/>
+            <a:ext cx="12192000" cy="6858000"/>
+          </a:xfrm>
+          <a:prstGeom prst="rect">
+            <a:avLst/>
+          </a:prstGeom>
+          <a:ln>
+            <a:noFill/>
+          </a:ln>
+        </p:spPr>
+        <p:style>
+          <a:lnRef idx="2">
+            <a:schemeClr val="accent1">
+              <a:shade val="50000"/>
+            </a:schemeClr>
+          </a:lnRef>
+          <a:fillRef idx="1">
+            <a:schemeClr val="accent1"/>
+          </a:fillRef>
+          <a:effectRef idx="0">
+            <a:schemeClr val="accent1"/>
+          </a:effectRef>
+          <a:fontRef idx="minor">
+            <a:schemeClr val="lt1"/>
+          </a:fontRef>
+        </p:style>
+        <p:txBody>
+          <a:bodyPr rtlCol="0" anchor="ctr"/>
+          <a:lstStyle/>
+          <a:p>
+            <a:pPr algn="ctr"/>
+            <a:endParaRPr lang="en-US"/>
+          </a:p>
+        </p:txBody>
+      </p:sp>
+      <p:sp useBgFill="1">
+        <p:nvSpPr>
+          <p:cNvPr id="14" name="Rectangle 13">
+            <a:extLst>
+              <a:ext uri="{FF2B5EF4-FFF2-40B4-BE49-F238E27FC236}">
+                <a16:creationId xmlns:a16="http://schemas.microsoft.com/office/drawing/2014/main" id="{0990C621-3B8B-4820-8328-D47EF7CE823C}"/>
+              </a:ext>
+              <a:ext uri="{C183D7F6-B498-43B3-948B-1728B52AA6E4}">
+                <adec:decorative xmlns:adec="http://schemas.microsoft.com/office/drawing/2017/decorative" val="1"/>
+              </a:ext>
+            </a:extLst>
+          </p:cNvPr>
+          <p:cNvSpPr>
+            <a:spLocks noGrp="1" noRot="1" noChangeAspect="1" noMove="1" noResize="1" noEditPoints="1" noAdjustHandles="1" noChangeArrowheads="1" noChangeShapeType="1" noTextEdit="1"/>
+          </p:cNvSpPr>
+          <p:nvPr>
+            <p:extLst>
+              <p:ext uri="{386F3935-93C4-4BCD-93E2-E3B085C9AB24}">
+                <p16:designElem xmlns:p16="http://schemas.microsoft.com/office/powerpoint/2015/main" val="1"/>
+              </p:ext>
+            </p:extLst>
+          </p:nvPr>
+        </p:nvSpPr>
+        <p:spPr>
+          <a:xfrm>
+            <a:off x="554416" y="365125"/>
+            <a:ext cx="11167447" cy="2089317"/>
+          </a:xfrm>
+          <a:prstGeom prst="rect">
+            <a:avLst/>
+          </a:prstGeom>
+          <a:ln w="12700">
+            <a:solidFill>
+              <a:srgbClr val="DEDEDE"/>
+            </a:solidFill>
+          </a:ln>
+          <a:effectLst>
+            <a:outerShdw blurRad="50800" dist="38100" dir="2700000" algn="tl" rotWithShape="0">
+              <a:schemeClr val="bg2">
+                <a:lumMod val="85000"/>
+                <a:alpha val="50000"/>
+              </a:schemeClr>
+            </a:outerShdw>
+          </a:effectLst>
+        </p:spPr>
+        <p:style>
+          <a:lnRef idx="2">
+            <a:schemeClr val="accent1">
+              <a:shade val="50000"/>
+            </a:schemeClr>
+          </a:lnRef>
+          <a:fillRef idx="1">
+            <a:schemeClr val="accent1"/>
+          </a:fillRef>
+          <a:effectRef idx="0">
+            <a:schemeClr val="accent1"/>
+          </a:effectRef>
+          <a:fontRef idx="minor">
+            <a:schemeClr val="lt1"/>
+          </a:fontRef>
+        </p:style>
+        <p:txBody>
+          <a:bodyPr rtlCol="0" anchor="ctr"/>
+          <a:lstStyle/>
+          <a:p>
+            <a:pPr marL="0" marR="0" lvl="0" indent="0" algn="ctr" defTabSz="914400" rtl="0" eaLnBrk="1" fontAlgn="auto" latinLnBrk="0" hangingPunct="1">
+              <a:lnSpc>
+                <a:spcPct val="100000"/>
+              </a:lnSpc>
+              <a:spcBef>
+                <a:spcPts val="0"/>
+              </a:spcBef>
+              <a:spcAft>
+                <a:spcPts val="0"/>
+              </a:spcAft>
+              <a:buClrTx/>
+              <a:buSzTx/>
+              <a:buFontTx/>
+              <a:buNone/>
+              <a:tabLst/>
+              <a:defRPr/>
+            </a:pPr>
+            <a:endParaRPr kumimoji="0" lang="en-US" sz="1800" b="0" i="0" u="none" strike="noStrike" kern="1200" cap="none" spc="0" normalizeH="0" baseline="0" noProof="0">
+              <a:ln>
+                <a:noFill/>
+              </a:ln>
+              <a:solidFill>
+                <a:prstClr val="white"/>
+              </a:solidFill>
+              <a:effectLst/>
+              <a:uLnTx/>
+              <a:uFillTx/>
+              <a:latin typeface="Calibri" panose="020F0502020204030204"/>
+              <a:ea typeface="+mn-ea"/>
+              <a:cs typeface="+mn-cs"/>
+            </a:endParaRPr>
+          </a:p>
+        </p:txBody>
+      </p:sp>
       <p:sp>
         <p:nvSpPr>
           <p:cNvPr id="2" name="Title 1">
@@ -5797,20 +6417,181 @@
         </p:nvSpPr>
         <p:spPr>
           <a:xfrm>
-            <a:off x="838200" y="365125"/>
-            <a:ext cx="10515600" cy="559435"/>
+            <a:off x="1051560" y="586822"/>
+            <a:ext cx="3657600" cy="1645920"/>
           </a:xfrm>
         </p:spPr>
         <p:txBody>
-          <a:bodyPr>
-            <a:normAutofit fontScale="90000"/>
+          <a:bodyPr vert="horz" lIns="91440" tIns="45720" rIns="91440" bIns="45720" rtlCol="0" anchor="ctr">
+            <a:normAutofit/>
           </a:bodyPr>
           <a:lstStyle/>
           <a:p>
             <a:r>
-              <a:rPr lang="en-NZ" sz="4000" dirty="0"/>
+              <a:rPr lang="en-US" sz="3200"/>
               <a:t>Version Control Evidence:</a:t>
             </a:r>
+          </a:p>
+        </p:txBody>
+      </p:sp>
+      <p:sp>
+        <p:nvSpPr>
+          <p:cNvPr id="16" name="Rectangle 15">
+            <a:extLst>
+              <a:ext uri="{FF2B5EF4-FFF2-40B4-BE49-F238E27FC236}">
+                <a16:creationId xmlns:a16="http://schemas.microsoft.com/office/drawing/2014/main" id="{C1A2385B-1D2A-4E17-84FA-6CB7F0AAE473}"/>
+              </a:ext>
+              <a:ext uri="{C183D7F6-B498-43B3-948B-1728B52AA6E4}">
+                <adec:decorative xmlns:adec="http://schemas.microsoft.com/office/drawing/2017/decorative" val="1"/>
+              </a:ext>
+            </a:extLst>
+          </p:cNvPr>
+          <p:cNvSpPr>
+            <a:spLocks noGrp="1" noRot="1" noChangeAspect="1" noMove="1" noResize="1" noEditPoints="1" noAdjustHandles="1" noChangeArrowheads="1" noChangeShapeType="1" noTextEdit="1"/>
+          </p:cNvSpPr>
+          <p:nvPr>
+            <p:extLst>
+              <p:ext uri="{386F3935-93C4-4BCD-93E2-E3B085C9AB24}">
+                <p16:designElem xmlns:p16="http://schemas.microsoft.com/office/powerpoint/2015/main" val="1"/>
+              </p:ext>
+            </p:extLst>
+          </p:nvPr>
+        </p:nvSpPr>
+        <p:spPr>
+          <a:xfrm>
+            <a:off x="490408" y="1057739"/>
+            <a:ext cx="128016" cy="704088"/>
+          </a:xfrm>
+          <a:prstGeom prst="rect">
+            <a:avLst/>
+          </a:prstGeom>
+          <a:solidFill>
+            <a:schemeClr val="accent2"/>
+          </a:solidFill>
+          <a:ln>
+            <a:noFill/>
+          </a:ln>
+        </p:spPr>
+        <p:style>
+          <a:lnRef idx="2">
+            <a:schemeClr val="accent1">
+              <a:shade val="50000"/>
+            </a:schemeClr>
+          </a:lnRef>
+          <a:fillRef idx="1">
+            <a:schemeClr val="accent1"/>
+          </a:fillRef>
+          <a:effectRef idx="0">
+            <a:schemeClr val="accent1"/>
+          </a:effectRef>
+          <a:fontRef idx="minor">
+            <a:schemeClr val="lt1"/>
+          </a:fontRef>
+        </p:style>
+        <p:txBody>
+          <a:bodyPr rtlCol="0" anchor="ctr"/>
+          <a:lstStyle/>
+          <a:p>
+            <a:pPr algn="ctr"/>
+            <a:endParaRPr lang="en-US" dirty="0">
+              <a:solidFill>
+                <a:prstClr val="white"/>
+              </a:solidFill>
+              <a:latin typeface="Calibri" panose="020F0502020204030204"/>
+            </a:endParaRPr>
+          </a:p>
+        </p:txBody>
+      </p:sp>
+      <p:sp>
+        <p:nvSpPr>
+          <p:cNvPr id="18" name="Rectangle 17">
+            <a:extLst>
+              <a:ext uri="{FF2B5EF4-FFF2-40B4-BE49-F238E27FC236}">
+                <a16:creationId xmlns:a16="http://schemas.microsoft.com/office/drawing/2014/main" id="{5E791F2F-79DB-4CC0-9FA1-001E3E91E8B7}"/>
+              </a:ext>
+              <a:ext uri="{C183D7F6-B498-43B3-948B-1728B52AA6E4}">
+                <adec:decorative xmlns:adec="http://schemas.microsoft.com/office/drawing/2017/decorative" val="1"/>
+              </a:ext>
+            </a:extLst>
+          </p:cNvPr>
+          <p:cNvSpPr>
+            <a:spLocks noGrp="1" noRot="1" noChangeAspect="1" noMove="1" noResize="1" noEditPoints="1" noAdjustHandles="1" noChangeArrowheads="1" noChangeShapeType="1" noTextEdit="1"/>
+          </p:cNvSpPr>
+          <p:nvPr>
+            <p:extLst>
+              <p:ext uri="{386F3935-93C4-4BCD-93E2-E3B085C9AB24}">
+                <p16:designElem xmlns:p16="http://schemas.microsoft.com/office/powerpoint/2015/main" val="1"/>
+              </p:ext>
+            </p:extLst>
+          </p:nvPr>
+        </p:nvSpPr>
+        <p:spPr>
+          <a:xfrm rot="5400000">
+            <a:off x="4243541" y="1400638"/>
+            <a:ext cx="1463040" cy="18288"/>
+          </a:xfrm>
+          <a:prstGeom prst="rect">
+            <a:avLst/>
+          </a:prstGeom>
+          <a:solidFill>
+            <a:srgbClr val="D5D5D5"/>
+          </a:solidFill>
+          <a:ln w="3175">
+            <a:noFill/>
+          </a:ln>
+          <a:effectLst/>
+        </p:spPr>
+        <p:style>
+          <a:lnRef idx="2">
+            <a:schemeClr val="accent1">
+              <a:shade val="50000"/>
+            </a:schemeClr>
+          </a:lnRef>
+          <a:fillRef idx="1">
+            <a:schemeClr val="accent1"/>
+          </a:fillRef>
+          <a:effectRef idx="0">
+            <a:schemeClr val="accent1"/>
+          </a:effectRef>
+          <a:fontRef idx="minor">
+            <a:schemeClr val="lt1"/>
+          </a:fontRef>
+        </p:style>
+        <p:txBody>
+          <a:bodyPr rtlCol="0" anchor="ctr"/>
+          <a:lstStyle/>
+          <a:p>
+            <a:pPr marL="0" marR="0" lvl="0" indent="0" algn="ctr" defTabSz="914400" rtl="0" eaLnBrk="1" fontAlgn="auto" latinLnBrk="0" hangingPunct="1">
+              <a:lnSpc>
+                <a:spcPct val="100000"/>
+              </a:lnSpc>
+              <a:spcBef>
+                <a:spcPts val="0"/>
+              </a:spcBef>
+              <a:spcAft>
+                <a:spcPts val="0"/>
+              </a:spcAft>
+              <a:buClrTx/>
+              <a:buSzTx/>
+              <a:buFontTx/>
+              <a:buNone/>
+              <a:tabLst/>
+              <a:defRPr/>
+            </a:pPr>
+            <a:endParaRPr kumimoji="0" lang="en-US" sz="1800" b="0" i="0" u="none" strike="noStrike" kern="1200" cap="none" spc="0" normalizeH="0" baseline="0" noProof="0">
+              <a:ln>
+                <a:noFill/>
+              </a:ln>
+              <a:solidFill>
+                <a:prstClr val="white"/>
+              </a:solidFill>
+              <a:effectLst/>
+              <a:uLnTx/>
+              <a:uFillTx/>
+              <a:latin typeface="Calibri" panose="020F0502020204030204"/>
+              <a:ea typeface="+mn-ea"/>
+              <a:cs typeface="+mn-cs"/>
+            </a:endParaRPr>
           </a:p>
         </p:txBody>
       </p:sp>
@@ -5828,41 +6609,97 @@
         </p:nvSpPr>
         <p:spPr>
           <a:xfrm>
-            <a:off x="675639" y="1081088"/>
-            <a:ext cx="9513815" cy="1020921"/>
+            <a:off x="5250106" y="586822"/>
+            <a:ext cx="6106742" cy="1645920"/>
           </a:xfrm>
           <a:prstGeom prst="rect">
             <a:avLst/>
           </a:prstGeom>
         </p:spPr>
         <p:txBody>
-          <a:bodyPr wrap="square">
-            <a:spAutoFit/>
+          <a:bodyPr vert="horz" lIns="91440" tIns="45720" rIns="91440" bIns="45720" rtlCol="0" anchor="ctr">
+            <a:normAutofit/>
           </a:bodyPr>
           <a:lstStyle/>
           <a:p>
-            <a:pPr>
+            <a:pPr indent="-228600">
               <a:lnSpc>
-                <a:spcPct val="115000"/>
+                <a:spcPct val="90000"/>
               </a:lnSpc>
               <a:spcAft>
-                <a:spcPts val="0"/>
+                <a:spcPts val="600"/>
               </a:spcAft>
+              <a:buFont typeface="Arial" panose="020B0604020202020204" pitchFamily="34" charset="0"/>
+              <a:buChar char="•"/>
             </a:pPr>
             <a:r>
-              <a:rPr lang="en-NZ" i="1" dirty="0">
-                <a:latin typeface="Arial" panose="020B0604020202020204" pitchFamily="34" charset="0"/>
-                <a:ea typeface="Arial" panose="020B0604020202020204" pitchFamily="34" charset="0"/>
-              </a:rPr>
+              <a:rPr lang="en-US" i="1"/>
               <a:t>Your version control evidence should go here.  This could be in the form of screenshots (both of your GitHub repository as well as your local project folder) as evidence of your incremental development.</a:t>
             </a:r>
-            <a:endParaRPr lang="en-NZ" dirty="0">
-              <a:latin typeface="Arial" panose="020B0604020202020204" pitchFamily="34" charset="0"/>
-              <a:ea typeface="Arial" panose="020B0604020202020204" pitchFamily="34" charset="0"/>
-            </a:endParaRPr>
-          </a:p>
-        </p:txBody>
-      </p:sp>
+            <a:endParaRPr lang="en-US"/>
+          </a:p>
+        </p:txBody>
+      </p:sp>
+      <p:pic>
+        <p:nvPicPr>
+          <p:cNvPr id="5" name="Picture 4">
+            <a:extLst>
+              <a:ext uri="{FF2B5EF4-FFF2-40B4-BE49-F238E27FC236}">
+                <a16:creationId xmlns:a16="http://schemas.microsoft.com/office/drawing/2014/main" id="{76DBB784-5A44-A4C7-4C5F-E175967539DE}"/>
+              </a:ext>
+            </a:extLst>
+          </p:cNvPr>
+          <p:cNvPicPr>
+            <a:picLocks noChangeAspect="1"/>
+          </p:cNvPicPr>
+          <p:nvPr/>
+        </p:nvPicPr>
+        <p:blipFill>
+          <a:blip r:embed="rId3"/>
+          <a:stretch>
+            <a:fillRect/>
+          </a:stretch>
+        </p:blipFill>
+        <p:spPr>
+          <a:xfrm>
+            <a:off x="557783" y="3395583"/>
+            <a:ext cx="5481509" cy="2151491"/>
+          </a:xfrm>
+          <a:prstGeom prst="rect">
+            <a:avLst/>
+          </a:prstGeom>
+        </p:spPr>
+      </p:pic>
+      <p:pic>
+        <p:nvPicPr>
+          <p:cNvPr id="7" name="Picture 6">
+            <a:extLst>
+              <a:ext uri="{FF2B5EF4-FFF2-40B4-BE49-F238E27FC236}">
+                <a16:creationId xmlns:a16="http://schemas.microsoft.com/office/drawing/2014/main" id="{54E69ECD-A564-AAE5-B4BD-29051B207492}"/>
+              </a:ext>
+            </a:extLst>
+          </p:cNvPr>
+          <p:cNvPicPr>
+            <a:picLocks noChangeAspect="1"/>
+          </p:cNvPicPr>
+          <p:nvPr/>
+        </p:nvPicPr>
+        <p:blipFill>
+          <a:blip r:embed="rId4"/>
+          <a:stretch>
+            <a:fillRect/>
+          </a:stretch>
+        </p:blipFill>
+        <p:spPr>
+          <a:xfrm>
+            <a:off x="6198781" y="3518598"/>
+            <a:ext cx="5523082" cy="1905462"/>
+          </a:xfrm>
+          <a:prstGeom prst="rect">
+            <a:avLst/>
+          </a:prstGeom>
+        </p:spPr>
+      </p:pic>
     </p:spTree>
     <p:extLst>
       <p:ext uri="{BB962C8B-B14F-4D97-AF65-F5344CB8AC3E}">
@@ -5964,10 +6801,154 @@
           </a:p>
         </p:txBody>
       </p:sp>
+      <p:sp>
+        <p:nvSpPr>
+          <p:cNvPr id="4" name="TextBox 3">
+            <a:extLst>
+              <a:ext uri="{FF2B5EF4-FFF2-40B4-BE49-F238E27FC236}">
+                <a16:creationId xmlns:a16="http://schemas.microsoft.com/office/drawing/2014/main" id="{4D3B16CF-A74D-AC71-08F2-036C04CD19A7}"/>
+              </a:ext>
+            </a:extLst>
+          </p:cNvPr>
+          <p:cNvSpPr txBox="1"/>
+          <p:nvPr/>
+        </p:nvSpPr>
+        <p:spPr>
+          <a:xfrm>
+            <a:off x="838200" y="4106333"/>
+            <a:ext cx="10989733" cy="923330"/>
+          </a:xfrm>
+          <a:prstGeom prst="rect">
+            <a:avLst/>
+          </a:prstGeom>
+          <a:noFill/>
+        </p:spPr>
+        <p:txBody>
+          <a:bodyPr wrap="square" rtlCol="0">
+            <a:spAutoFit/>
+          </a:bodyPr>
+          <a:lstStyle/>
+          <a:p>
+            <a:pPr marL="285750" indent="-285750">
+              <a:buFont typeface="Arial" panose="020B0604020202020204" pitchFamily="34" charset="0"/>
+              <a:buChar char="•"/>
+            </a:pPr>
+            <a:r>
+              <a:rPr lang="en-NZ" dirty="0"/>
+              <a:t>I tested my code using </a:t>
+            </a:r>
+            <a:r>
+              <a:rPr lang="en-NZ" dirty="0">
+                <a:hlinkClick r:id="rId3"/>
+              </a:rPr>
+              <a:t>https://www.pythonchecker.com/</a:t>
+            </a:r>
+            <a:r>
+              <a:rPr lang="en-NZ" dirty="0"/>
+              <a:t> to make sure that it met the conventions regarding spacing Layout (see the next slide)</a:t>
+            </a:r>
+          </a:p>
+          <a:p>
+            <a:pPr marL="285750" indent="-285750">
+              <a:buFont typeface="Arial" panose="020B0604020202020204" pitchFamily="34" charset="0"/>
+              <a:buChar char="•"/>
+            </a:pPr>
+            <a:endParaRPr lang="en-NZ" dirty="0"/>
+          </a:p>
+        </p:txBody>
+      </p:sp>
     </p:spTree>
     <p:extLst>
       <p:ext uri="{BB962C8B-B14F-4D97-AF65-F5344CB8AC3E}">
         <p14:creationId xmlns:p14="http://schemas.microsoft.com/office/powerpoint/2010/main" val="2276153040"/>
+      </p:ext>
+    </p:extLst>
+  </p:cSld>
+  <p:clrMapOvr>
+    <a:masterClrMapping/>
+  </p:clrMapOvr>
+</p:sld>
+</file>
+
+<file path=ppt/slides/slide14.xml><?xml version="1.0" encoding="utf-8"?>
+<p:sld xmlns:a="http://schemas.openxmlformats.org/drawingml/2006/main" xmlns:r="http://schemas.openxmlformats.org/officeDocument/2006/relationships" xmlns:p="http://schemas.openxmlformats.org/presentationml/2006/main">
+  <p:cSld>
+    <p:spTree>
+      <p:nvGrpSpPr>
+        <p:cNvPr id="1" name=""/>
+        <p:cNvGrpSpPr/>
+        <p:nvPr/>
+      </p:nvGrpSpPr>
+      <p:grpSpPr>
+        <a:xfrm>
+          <a:off x="0" y="0"/>
+          <a:ext cx="0" cy="0"/>
+          <a:chOff x="0" y="0"/>
+          <a:chExt cx="0" cy="0"/>
+        </a:xfrm>
+      </p:grpSpPr>
+      <p:sp>
+        <p:nvSpPr>
+          <p:cNvPr id="2" name="Title 1">
+            <a:extLst>
+              <a:ext uri="{FF2B5EF4-FFF2-40B4-BE49-F238E27FC236}">
+                <a16:creationId xmlns:a16="http://schemas.microsoft.com/office/drawing/2014/main" id="{E01620D1-D956-B53D-F08F-69E910D1B559}"/>
+              </a:ext>
+            </a:extLst>
+          </p:cNvPr>
+          <p:cNvSpPr>
+            <a:spLocks noGrp="1"/>
+          </p:cNvSpPr>
+          <p:nvPr>
+            <p:ph type="title"/>
+          </p:nvPr>
+        </p:nvSpPr>
+        <p:spPr/>
+        <p:txBody>
+          <a:bodyPr/>
+          <a:lstStyle/>
+          <a:p>
+            <a:r>
+              <a:rPr lang="en-NZ" dirty="0"/>
+              <a:t>Evidence of meeting pep8 requirement</a:t>
+            </a:r>
+          </a:p>
+        </p:txBody>
+      </p:sp>
+      <p:pic>
+        <p:nvPicPr>
+          <p:cNvPr id="4" name="Picture 3">
+            <a:extLst>
+              <a:ext uri="{FF2B5EF4-FFF2-40B4-BE49-F238E27FC236}">
+                <a16:creationId xmlns:a16="http://schemas.microsoft.com/office/drawing/2014/main" id="{AE2EE720-227A-206B-5005-4971CB54788F}"/>
+              </a:ext>
+            </a:extLst>
+          </p:cNvPr>
+          <p:cNvPicPr>
+            <a:picLocks noChangeAspect="1"/>
+          </p:cNvPicPr>
+          <p:nvPr/>
+        </p:nvPicPr>
+        <p:blipFill>
+          <a:blip r:embed="rId2"/>
+          <a:stretch>
+            <a:fillRect/>
+          </a:stretch>
+        </p:blipFill>
+        <p:spPr>
+          <a:xfrm>
+            <a:off x="4089400" y="1690688"/>
+            <a:ext cx="4140645" cy="4931475"/>
+          </a:xfrm>
+          <a:prstGeom prst="rect">
+            <a:avLst/>
+          </a:prstGeom>
+        </p:spPr>
+      </p:pic>
+    </p:spTree>
+    <p:extLst>
+      <p:ext uri="{BB962C8B-B14F-4D97-AF65-F5344CB8AC3E}">
+        <p14:creationId xmlns:p14="http://schemas.microsoft.com/office/powerpoint/2010/main" val="1503891722"/>
       </p:ext>
     </p:extLst>
   </p:cSld>
@@ -7132,7 +8113,7 @@
           <a:p>
             <a:r>
               <a:rPr lang="en" sz="4000" dirty="0"/>
-              <a:t>[Instrutions] - Test Plan</a:t>
+              <a:t>[Instructions] - Test Plan</a:t>
             </a:r>
             <a:endParaRPr sz="4000" dirty="0"/>
           </a:p>
@@ -8902,18 +9883,18 @@
 </file>
 
 <file path=customXml/item1.xml><?xml version="1.0" encoding="utf-8"?>
-<p:properties xmlns:p="http://schemas.microsoft.com/office/2006/metadata/properties" xmlns:xsi="http://www.w3.org/2001/XMLSchema-instance" xmlns:pc="http://schemas.microsoft.com/office/infopath/2007/PartnerControls">
-  <documentManagement/>
-</p:properties>
-</file>
-
-<file path=customXml/item2.xml><?xml version="1.0" encoding="utf-8"?>
 <?mso-contentType ?>
 <FormTemplates xmlns="http://schemas.microsoft.com/sharepoint/v3/contenttype/forms">
   <Display>DocumentLibraryForm</Display>
   <Edit>DocumentLibraryForm</Edit>
   <New>DocumentLibraryForm</New>
 </FormTemplates>
+</file>
+
+<file path=customXml/item2.xml><?xml version="1.0" encoding="utf-8"?>
+<p:properties xmlns:p="http://schemas.microsoft.com/office/2006/metadata/properties" xmlns:xsi="http://www.w3.org/2001/XMLSchema-instance" xmlns:pc="http://schemas.microsoft.com/office/infopath/2007/PartnerControls">
+  <documentManagement/>
+</p:properties>
 </file>
 
 <file path=customXml/item3.xml><?xml version="1.0" encoding="utf-8"?>
@@ -9140,6 +10121,14 @@
 </file>
 
 <file path=customXml/itemProps1.xml><?xml version="1.0" encoding="utf-8"?>
+<ds:datastoreItem xmlns:ds="http://schemas.openxmlformats.org/officeDocument/2006/customXml" ds:itemID="{996D3308-852E-4C8B-B252-FF4AAFB3F53B}">
+  <ds:schemaRefs>
+    <ds:schemaRef ds:uri="http://schemas.microsoft.com/sharepoint/v3/contenttype/forms"/>
+  </ds:schemaRefs>
+</ds:datastoreItem>
+</file>
+
+<file path=customXml/itemProps2.xml><?xml version="1.0" encoding="utf-8"?>
 <ds:datastoreItem xmlns:ds="http://schemas.openxmlformats.org/officeDocument/2006/customXml" ds:itemID="{D3E43842-9024-4A34-8C28-3EA5A3BEB66C}">
   <ds:schemaRefs>
     <ds:schemaRef ds:uri="http://schemas.microsoft.com/office/2006/documentManagement/types"/>
@@ -9152,14 +10141,6 @@
     <ds:schemaRef ds:uri="http://www.w3.org/XML/1998/namespace"/>
     <ds:schemaRef ds:uri="http://purl.org/dc/elements/1.1/"/>
     <ds:schemaRef ds:uri="e64b035b-d3bf-4281-aae9-e2992bd2c409"/>
-  </ds:schemaRefs>
-</ds:datastoreItem>
-</file>
-
-<file path=customXml/itemProps2.xml><?xml version="1.0" encoding="utf-8"?>
-<ds:datastoreItem xmlns:ds="http://schemas.openxmlformats.org/officeDocument/2006/customXml" ds:itemID="{996D3308-852E-4C8B-B252-FF4AAFB3F53B}">
-  <ds:schemaRefs>
-    <ds:schemaRef ds:uri="http://schemas.microsoft.com/sharepoint/v3/contenttype/forms"/>
   </ds:schemaRefs>
 </ds:datastoreItem>
 </file>
